--- a/UM_DataManagementClass/lessons/03/03_firstMeeting.pptx
+++ b/UM_DataManagementClass/lessons/03/03_firstMeeting.pptx
@@ -132,7 +132,7 @@
   </p:defaultTextStyle>
   <p:extLst>
     <p:ext uri="{EFAFB233-063F-42B5-8137-9DF3F51BA10A}">
-      <p15:sldGuideLst xmlns:p15="http://schemas.microsoft.com/office/powerpoint/2012/main" xmlns="">
+      <p15:sldGuideLst xmlns:p15="http://schemas.microsoft.com/office/powerpoint/2012/main">
         <p15:guide id="1" orient="horz" pos="2160" userDrawn="1">
           <p15:clr>
             <a:srgbClr val="A4A3A4"/>
@@ -232,7 +232,7 @@
             <a:fld id="{0B10C68B-4B56-4C57-A100-1112E8D05063}" type="datetimeFigureOut">
               <a:rPr lang="en-US" smtClean="0"/>
               <a:pPr/>
-              <a:t>1/25/2016</a:t>
+              <a:t>1/27/2017</a:t>
             </a:fld>
             <a:endParaRPr lang="en-US"/>
           </a:p>
@@ -401,7 +401,7 @@
     </p:spTree>
     <p:extLst>
       <p:ext uri="{BB962C8B-B14F-4D97-AF65-F5344CB8AC3E}">
-        <p14:creationId xmlns:p14="http://schemas.microsoft.com/office/powerpoint/2010/main" xmlns="" val="2616926588"/>
+        <p14:creationId xmlns:p14="http://schemas.microsoft.com/office/powerpoint/2010/main" val="2616926588"/>
       </p:ext>
     </p:extLst>
   </p:cSld>
@@ -576,7 +576,7 @@
     </p:spTree>
     <p:extLst>
       <p:ext uri="{BB962C8B-B14F-4D97-AF65-F5344CB8AC3E}">
-        <p14:creationId xmlns:p14="http://schemas.microsoft.com/office/powerpoint/2010/main" xmlns="" val="111020371"/>
+        <p14:creationId xmlns:p14="http://schemas.microsoft.com/office/powerpoint/2010/main" val="111020371"/>
       </p:ext>
     </p:extLst>
   </p:cSld>
@@ -667,7 +667,7 @@
     </p:spTree>
     <p:extLst>
       <p:ext uri="{BB962C8B-B14F-4D97-AF65-F5344CB8AC3E}">
-        <p14:creationId xmlns:p14="http://schemas.microsoft.com/office/powerpoint/2010/main" xmlns="" val="1272408401"/>
+        <p14:creationId xmlns:p14="http://schemas.microsoft.com/office/powerpoint/2010/main" val="1272408401"/>
       </p:ext>
     </p:extLst>
   </p:cSld>
@@ -758,7 +758,7 @@
     </p:spTree>
     <p:extLst>
       <p:ext uri="{BB962C8B-B14F-4D97-AF65-F5344CB8AC3E}">
-        <p14:creationId xmlns:p14="http://schemas.microsoft.com/office/powerpoint/2010/main" xmlns="" val="914134529"/>
+        <p14:creationId xmlns:p14="http://schemas.microsoft.com/office/powerpoint/2010/main" val="914134529"/>
       </p:ext>
     </p:extLst>
   </p:cSld>
@@ -849,7 +849,7 @@
     </p:spTree>
     <p:extLst>
       <p:ext uri="{BB962C8B-B14F-4D97-AF65-F5344CB8AC3E}">
-        <p14:creationId xmlns:p14="http://schemas.microsoft.com/office/powerpoint/2010/main" xmlns="" val="2362365578"/>
+        <p14:creationId xmlns:p14="http://schemas.microsoft.com/office/powerpoint/2010/main" val="2362365578"/>
       </p:ext>
     </p:extLst>
   </p:cSld>
@@ -952,7 +952,7 @@
     </p:spTree>
     <p:extLst>
       <p:ext uri="{BB962C8B-B14F-4D97-AF65-F5344CB8AC3E}">
-        <p14:creationId xmlns:p14="http://schemas.microsoft.com/office/powerpoint/2010/main" xmlns="" val="3327247916"/>
+        <p14:creationId xmlns:p14="http://schemas.microsoft.com/office/powerpoint/2010/main" val="3327247916"/>
       </p:ext>
     </p:extLst>
   </p:cSld>
@@ -1089,7 +1089,7 @@
     </p:spTree>
     <p:extLst>
       <p:ext uri="{BB962C8B-B14F-4D97-AF65-F5344CB8AC3E}">
-        <p14:creationId xmlns:p14="http://schemas.microsoft.com/office/powerpoint/2010/main" xmlns="" val="2209415982"/>
+        <p14:creationId xmlns:p14="http://schemas.microsoft.com/office/powerpoint/2010/main" val="2209415982"/>
       </p:ext>
     </p:extLst>
   </p:cSld>
@@ -1237,7 +1237,7 @@
     </p:spTree>
     <p:extLst>
       <p:ext uri="{BB962C8B-B14F-4D97-AF65-F5344CB8AC3E}">
-        <p14:creationId xmlns:p14="http://schemas.microsoft.com/office/powerpoint/2010/main" xmlns="" val="2084410409"/>
+        <p14:creationId xmlns:p14="http://schemas.microsoft.com/office/powerpoint/2010/main" val="2084410409"/>
       </p:ext>
     </p:extLst>
   </p:cSld>
@@ -1322,7 +1322,7 @@
     </p:spTree>
     <p:extLst>
       <p:ext uri="{BB962C8B-B14F-4D97-AF65-F5344CB8AC3E}">
-        <p14:creationId xmlns:p14="http://schemas.microsoft.com/office/powerpoint/2010/main" xmlns="" val="3007364499"/>
+        <p14:creationId xmlns:p14="http://schemas.microsoft.com/office/powerpoint/2010/main" val="3007364499"/>
       </p:ext>
     </p:extLst>
   </p:cSld>
@@ -1409,7 +1409,7 @@
     </p:spTree>
     <p:extLst>
       <p:ext uri="{BB962C8B-B14F-4D97-AF65-F5344CB8AC3E}">
-        <p14:creationId xmlns:p14="http://schemas.microsoft.com/office/powerpoint/2010/main" xmlns="" val="97577589"/>
+        <p14:creationId xmlns:p14="http://schemas.microsoft.com/office/powerpoint/2010/main" val="97577589"/>
       </p:ext>
     </p:extLst>
   </p:cSld>
@@ -1496,7 +1496,7 @@
     </p:spTree>
     <p:extLst>
       <p:ext uri="{BB962C8B-B14F-4D97-AF65-F5344CB8AC3E}">
-        <p14:creationId xmlns:p14="http://schemas.microsoft.com/office/powerpoint/2010/main" xmlns="" val="97577589"/>
+        <p14:creationId xmlns:p14="http://schemas.microsoft.com/office/powerpoint/2010/main" val="97577589"/>
       </p:ext>
     </p:extLst>
   </p:cSld>
@@ -1557,12 +1557,12 @@
               <a:t>Do an </a:t>
             </a:r>
             <a:r>
-              <a:rPr lang="en-US" dirty="0" err="1" smtClean="0"/>
-              <a:t>excercise</a:t>
-            </a:r>
-            <a:r>
               <a:rPr lang="en-US" dirty="0" smtClean="0"/>
-              <a:t> – the referenced link in the </a:t>
+              <a:t>exercise </a:t>
+            </a:r>
+            <a:r>
+              <a:rPr lang="en-US" dirty="0" smtClean="0"/>
+              <a:t>– the referenced link in the </a:t>
             </a:r>
             <a:r>
               <a:rPr lang="en-US" dirty="0" err="1" smtClean="0"/>
@@ -1607,7 +1607,7 @@
     </p:spTree>
     <p:extLst>
       <p:ext uri="{BB962C8B-B14F-4D97-AF65-F5344CB8AC3E}">
-        <p14:creationId xmlns:p14="http://schemas.microsoft.com/office/powerpoint/2010/main" xmlns="" val="2603525525"/>
+        <p14:creationId xmlns:p14="http://schemas.microsoft.com/office/powerpoint/2010/main" val="2603525525"/>
       </p:ext>
     </p:extLst>
   </p:cSld>
@@ -1705,7 +1705,7 @@
     </p:spTree>
     <p:extLst>
       <p:ext uri="{BB962C8B-B14F-4D97-AF65-F5344CB8AC3E}">
-        <p14:creationId xmlns:p14="http://schemas.microsoft.com/office/powerpoint/2010/main" xmlns="" val="3601827994"/>
+        <p14:creationId xmlns:p14="http://schemas.microsoft.com/office/powerpoint/2010/main" val="3601827994"/>
       </p:ext>
     </p:extLst>
   </p:cSld>
@@ -1792,7 +1792,7 @@
     </p:spTree>
     <p:extLst>
       <p:ext uri="{BB962C8B-B14F-4D97-AF65-F5344CB8AC3E}">
-        <p14:creationId xmlns:p14="http://schemas.microsoft.com/office/powerpoint/2010/main" xmlns="" val="97577589"/>
+        <p14:creationId xmlns:p14="http://schemas.microsoft.com/office/powerpoint/2010/main" val="97577589"/>
       </p:ext>
     </p:extLst>
   </p:cSld>
@@ -1879,7 +1879,7 @@
     </p:spTree>
     <p:extLst>
       <p:ext uri="{BB962C8B-B14F-4D97-AF65-F5344CB8AC3E}">
-        <p14:creationId xmlns:p14="http://schemas.microsoft.com/office/powerpoint/2010/main" xmlns="" val="97577589"/>
+        <p14:creationId xmlns:p14="http://schemas.microsoft.com/office/powerpoint/2010/main" val="97577589"/>
       </p:ext>
     </p:extLst>
   </p:cSld>
@@ -1987,7 +1987,7 @@
     </p:spTree>
     <p:extLst>
       <p:ext uri="{BB962C8B-B14F-4D97-AF65-F5344CB8AC3E}">
-        <p14:creationId xmlns:p14="http://schemas.microsoft.com/office/powerpoint/2010/main" xmlns="" val="3387350060"/>
+        <p14:creationId xmlns:p14="http://schemas.microsoft.com/office/powerpoint/2010/main" val="3387350060"/>
       </p:ext>
     </p:extLst>
   </p:cSld>
@@ -2078,7 +2078,7 @@
     </p:spTree>
     <p:extLst>
       <p:ext uri="{BB962C8B-B14F-4D97-AF65-F5344CB8AC3E}">
-        <p14:creationId xmlns:p14="http://schemas.microsoft.com/office/powerpoint/2010/main" xmlns="" val="2881589845"/>
+        <p14:creationId xmlns:p14="http://schemas.microsoft.com/office/powerpoint/2010/main" val="2881589845"/>
       </p:ext>
     </p:extLst>
   </p:cSld>
@@ -2231,7 +2231,7 @@
               <a:pPr>
                 <a:defRPr/>
               </a:pPr>
-              <a:t>1/25/2016</a:t>
+              <a:t>1/27/2017</a:t>
             </a:fld>
             <a:endParaRPr lang="en-US">
               <a:solidFill>
@@ -2315,7 +2315,7 @@
     </p:spTree>
     <p:extLst>
       <p:ext uri="{BB962C8B-B14F-4D97-AF65-F5344CB8AC3E}">
-        <p14:creationId xmlns:p14="http://schemas.microsoft.com/office/powerpoint/2010/main" xmlns="" val="588844449"/>
+        <p14:creationId xmlns:p14="http://schemas.microsoft.com/office/powerpoint/2010/main" val="588844449"/>
       </p:ext>
     </p:extLst>
   </p:cSld>
@@ -2446,7 +2446,7 @@
               <a:pPr>
                 <a:defRPr/>
               </a:pPr>
-              <a:t>1/25/2016</a:t>
+              <a:t>1/27/2017</a:t>
             </a:fld>
             <a:endParaRPr lang="en-US">
               <a:solidFill>
@@ -2530,7 +2530,7 @@
     </p:spTree>
     <p:extLst>
       <p:ext uri="{BB962C8B-B14F-4D97-AF65-F5344CB8AC3E}">
-        <p14:creationId xmlns:p14="http://schemas.microsoft.com/office/powerpoint/2010/main" xmlns="" val="2374176888"/>
+        <p14:creationId xmlns:p14="http://schemas.microsoft.com/office/powerpoint/2010/main" val="2374176888"/>
       </p:ext>
     </p:extLst>
   </p:cSld>
@@ -2671,7 +2671,7 @@
               <a:pPr>
                 <a:defRPr/>
               </a:pPr>
-              <a:t>1/25/2016</a:t>
+              <a:t>1/27/2017</a:t>
             </a:fld>
             <a:endParaRPr lang="en-US">
               <a:solidFill>
@@ -2755,7 +2755,7 @@
     </p:spTree>
     <p:extLst>
       <p:ext uri="{BB962C8B-B14F-4D97-AF65-F5344CB8AC3E}">
-        <p14:creationId xmlns:p14="http://schemas.microsoft.com/office/powerpoint/2010/main" xmlns="" val="991584953"/>
+        <p14:creationId xmlns:p14="http://schemas.microsoft.com/office/powerpoint/2010/main" val="991584953"/>
       </p:ext>
     </p:extLst>
   </p:cSld>
@@ -2912,7 +2912,7 @@
               <a:pPr>
                 <a:defRPr/>
               </a:pPr>
-              <a:t>1/25/2016</a:t>
+              <a:t>1/27/2017</a:t>
             </a:fld>
             <a:endParaRPr lang="en-US">
               <a:solidFill>
@@ -2996,7 +2996,7 @@
     </p:spTree>
     <p:extLst>
       <p:ext uri="{BB962C8B-B14F-4D97-AF65-F5344CB8AC3E}">
-        <p14:creationId xmlns:p14="http://schemas.microsoft.com/office/powerpoint/2010/main" xmlns="" val="379613614"/>
+        <p14:creationId xmlns:p14="http://schemas.microsoft.com/office/powerpoint/2010/main" val="379613614"/>
       </p:ext>
     </p:extLst>
   </p:cSld>
@@ -3201,7 +3201,7 @@
               <a:pPr>
                 <a:defRPr/>
               </a:pPr>
-              <a:t>1/25/2016</a:t>
+              <a:t>1/27/2017</a:t>
             </a:fld>
             <a:endParaRPr lang="en-US">
               <a:solidFill>
@@ -3285,7 +3285,7 @@
     </p:spTree>
     <p:extLst>
       <p:ext uri="{BB962C8B-B14F-4D97-AF65-F5344CB8AC3E}">
-        <p14:creationId xmlns:p14="http://schemas.microsoft.com/office/powerpoint/2010/main" xmlns="" val="1749530271"/>
+        <p14:creationId xmlns:p14="http://schemas.microsoft.com/office/powerpoint/2010/main" val="1749530271"/>
       </p:ext>
     </p:extLst>
   </p:cSld>
@@ -3522,7 +3522,7 @@
               <a:pPr>
                 <a:defRPr/>
               </a:pPr>
-              <a:t>1/25/2016</a:t>
+              <a:t>1/27/2017</a:t>
             </a:fld>
             <a:endParaRPr lang="en-US">
               <a:solidFill>
@@ -3606,7 +3606,7 @@
     </p:spTree>
     <p:extLst>
       <p:ext uri="{BB962C8B-B14F-4D97-AF65-F5344CB8AC3E}">
-        <p14:creationId xmlns:p14="http://schemas.microsoft.com/office/powerpoint/2010/main" xmlns="" val="4117643888"/>
+        <p14:creationId xmlns:p14="http://schemas.microsoft.com/office/powerpoint/2010/main" val="4117643888"/>
       </p:ext>
     </p:extLst>
   </p:cSld>
@@ -3982,7 +3982,7 @@
               <a:pPr>
                 <a:defRPr/>
               </a:pPr>
-              <a:t>1/25/2016</a:t>
+              <a:t>1/27/2017</a:t>
             </a:fld>
             <a:endParaRPr lang="en-US">
               <a:solidFill>
@@ -4066,7 +4066,7 @@
     </p:spTree>
     <p:extLst>
       <p:ext uri="{BB962C8B-B14F-4D97-AF65-F5344CB8AC3E}">
-        <p14:creationId xmlns:p14="http://schemas.microsoft.com/office/powerpoint/2010/main" xmlns="" val="3305394207"/>
+        <p14:creationId xmlns:p14="http://schemas.microsoft.com/office/powerpoint/2010/main" val="3305394207"/>
       </p:ext>
     </p:extLst>
   </p:cSld>
@@ -4153,7 +4153,7 @@
               <a:pPr>
                 <a:defRPr/>
               </a:pPr>
-              <a:t>1/25/2016</a:t>
+              <a:t>1/27/2017</a:t>
             </a:fld>
             <a:endParaRPr lang="en-US">
               <a:solidFill>
@@ -4237,7 +4237,7 @@
     </p:spTree>
     <p:extLst>
       <p:ext uri="{BB962C8B-B14F-4D97-AF65-F5344CB8AC3E}">
-        <p14:creationId xmlns:p14="http://schemas.microsoft.com/office/powerpoint/2010/main" xmlns="" val="2564282291"/>
+        <p14:creationId xmlns:p14="http://schemas.microsoft.com/office/powerpoint/2010/main" val="2564282291"/>
       </p:ext>
     </p:extLst>
   </p:cSld>
@@ -4293,7 +4293,7 @@
               <a:pPr>
                 <a:defRPr/>
               </a:pPr>
-              <a:t>1/25/2016</a:t>
+              <a:t>1/27/2017</a:t>
             </a:fld>
             <a:endParaRPr lang="en-US">
               <a:solidFill>
@@ -4377,7 +4377,7 @@
     </p:spTree>
     <p:extLst>
       <p:ext uri="{BB962C8B-B14F-4D97-AF65-F5344CB8AC3E}">
-        <p14:creationId xmlns:p14="http://schemas.microsoft.com/office/powerpoint/2010/main" xmlns="" val="2633152322"/>
+        <p14:creationId xmlns:p14="http://schemas.microsoft.com/office/powerpoint/2010/main" val="2633152322"/>
       </p:ext>
     </p:extLst>
   </p:cSld>
@@ -4615,7 +4615,7 @@
               <a:pPr>
                 <a:defRPr/>
               </a:pPr>
-              <a:t>1/25/2016</a:t>
+              <a:t>1/27/2017</a:t>
             </a:fld>
             <a:endParaRPr lang="en-US">
               <a:solidFill>
@@ -4699,7 +4699,7 @@
     </p:spTree>
     <p:extLst>
       <p:ext uri="{BB962C8B-B14F-4D97-AF65-F5344CB8AC3E}">
-        <p14:creationId xmlns:p14="http://schemas.microsoft.com/office/powerpoint/2010/main" xmlns="" val="4283600683"/>
+        <p14:creationId xmlns:p14="http://schemas.microsoft.com/office/powerpoint/2010/main" val="4283600683"/>
       </p:ext>
     </p:extLst>
   </p:cSld>
@@ -4917,7 +4917,7 @@
               <a:pPr>
                 <a:defRPr/>
               </a:pPr>
-              <a:t>1/25/2016</a:t>
+              <a:t>1/27/2017</a:t>
             </a:fld>
             <a:endParaRPr lang="en-US">
               <a:solidFill>
@@ -5001,7 +5001,7 @@
     </p:spTree>
     <p:extLst>
       <p:ext uri="{BB962C8B-B14F-4D97-AF65-F5344CB8AC3E}">
-        <p14:creationId xmlns:p14="http://schemas.microsoft.com/office/powerpoint/2010/main" xmlns="" val="3406240267"/>
+        <p14:creationId xmlns:p14="http://schemas.microsoft.com/office/powerpoint/2010/main" val="3406240267"/>
       </p:ext>
     </p:extLst>
   </p:cSld>
@@ -5175,7 +5175,7 @@
               <a:pPr>
                 <a:defRPr/>
               </a:pPr>
-              <a:t>1/25/2016</a:t>
+              <a:t>1/27/2017</a:t>
             </a:fld>
             <a:endParaRPr lang="en-US">
               <a:solidFill>
@@ -5295,7 +5295,7 @@
     </p:spTree>
     <p:extLst>
       <p:ext uri="{BB962C8B-B14F-4D97-AF65-F5344CB8AC3E}">
-        <p14:creationId xmlns:p14="http://schemas.microsoft.com/office/powerpoint/2010/main" xmlns="" val="1652920772"/>
+        <p14:creationId xmlns:p14="http://schemas.microsoft.com/office/powerpoint/2010/main" val="1652920772"/>
       </p:ext>
     </p:extLst>
   </p:cSld>
@@ -5625,7 +5625,7 @@
           <a:blip r:embed="rId3" cstate="print">
             <a:extLst>
               <a:ext uri="{28A0092B-C50C-407E-A947-70E740481C1C}">
-                <a14:useLocalDpi xmlns:a14="http://schemas.microsoft.com/office/drawing/2010/main" xmlns="" val="0"/>
+                <a14:useLocalDpi xmlns:a14="http://schemas.microsoft.com/office/drawing/2010/main" val="0"/>
               </a:ext>
             </a:extLst>
           </a:blip>
@@ -5788,7 +5788,7 @@
     </p:spTree>
     <p:extLst>
       <p:ext uri="{BB962C8B-B14F-4D97-AF65-F5344CB8AC3E}">
-        <p14:creationId xmlns:p14="http://schemas.microsoft.com/office/powerpoint/2010/main" xmlns="" val="1875680063"/>
+        <p14:creationId xmlns:p14="http://schemas.microsoft.com/office/powerpoint/2010/main" val="1875680063"/>
       </p:ext>
     </p:extLst>
   </p:cSld>
@@ -8837,7 +8837,7 @@
     </p:spTree>
     <p:extLst>
       <p:ext uri="{BB962C8B-B14F-4D97-AF65-F5344CB8AC3E}">
-        <p14:creationId xmlns:p14="http://schemas.microsoft.com/office/powerpoint/2010/main" xmlns="" val="2733525432"/>
+        <p14:creationId xmlns:p14="http://schemas.microsoft.com/office/powerpoint/2010/main" val="2733525432"/>
       </p:ext>
     </p:extLst>
   </p:cSld>
@@ -9227,7 +9227,7 @@
     </p:spTree>
     <p:extLst>
       <p:ext uri="{BB962C8B-B14F-4D97-AF65-F5344CB8AC3E}">
-        <p14:creationId xmlns:p14="http://schemas.microsoft.com/office/powerpoint/2010/main" xmlns="" val="2733525432"/>
+        <p14:creationId xmlns:p14="http://schemas.microsoft.com/office/powerpoint/2010/main" val="2733525432"/>
       </p:ext>
     </p:extLst>
   </p:cSld>
@@ -9516,7 +9516,7 @@
     </p:spTree>
     <p:extLst>
       <p:ext uri="{BB962C8B-B14F-4D97-AF65-F5344CB8AC3E}">
-        <p14:creationId xmlns:p14="http://schemas.microsoft.com/office/powerpoint/2010/main" xmlns="" val="2733525432"/>
+        <p14:creationId xmlns:p14="http://schemas.microsoft.com/office/powerpoint/2010/main" val="2733525432"/>
       </p:ext>
     </p:extLst>
   </p:cSld>
@@ -9848,7 +9848,7 @@
     </p:spTree>
     <p:extLst>
       <p:ext uri="{BB962C8B-B14F-4D97-AF65-F5344CB8AC3E}">
-        <p14:creationId xmlns:p14="http://schemas.microsoft.com/office/powerpoint/2010/main" xmlns="" val="2733525432"/>
+        <p14:creationId xmlns:p14="http://schemas.microsoft.com/office/powerpoint/2010/main" val="2733525432"/>
       </p:ext>
     </p:extLst>
   </p:cSld>
@@ -10183,7 +10183,7 @@
     </p:spTree>
     <p:extLst>
       <p:ext uri="{BB962C8B-B14F-4D97-AF65-F5344CB8AC3E}">
-        <p14:creationId xmlns:p14="http://schemas.microsoft.com/office/powerpoint/2010/main" xmlns="" val="2733525432"/>
+        <p14:creationId xmlns:p14="http://schemas.microsoft.com/office/powerpoint/2010/main" val="2733525432"/>
       </p:ext>
     </p:extLst>
   </p:cSld>
@@ -12953,6 +12953,13 @@
   <p:clrMapOvr>
     <a:masterClrMapping/>
   </p:clrMapOvr>
+  <p:timing>
+    <p:tnLst>
+      <p:par>
+        <p:cTn id="1" dur="indefinite" restart="never" nodeType="tmRoot"/>
+      </p:par>
+    </p:tnLst>
+  </p:timing>
 </p:sld>
 </file>
 
@@ -15825,7 +15832,7 @@
     </p:spTree>
     <p:extLst>
       <p:ext uri="{BB962C8B-B14F-4D97-AF65-F5344CB8AC3E}">
-        <p14:creationId xmlns:p14="http://schemas.microsoft.com/office/powerpoint/2010/main" xmlns="" val="2596930147"/>
+        <p14:creationId xmlns:p14="http://schemas.microsoft.com/office/powerpoint/2010/main" val="2596930147"/>
       </p:ext>
     </p:extLst>
   </p:cSld>
@@ -15953,7 +15960,7 @@
           <a:blip r:embed="rId3" cstate="print">
             <a:extLst>
               <a:ext uri="{28A0092B-C50C-407E-A947-70E740481C1C}">
-                <a14:useLocalDpi xmlns:a14="http://schemas.microsoft.com/office/drawing/2010/main" xmlns="" val="0"/>
+                <a14:useLocalDpi xmlns:a14="http://schemas.microsoft.com/office/drawing/2010/main" val="0"/>
               </a:ext>
             </a:extLst>
           </a:blip>
@@ -15974,7 +15981,7 @@
     </p:spTree>
     <p:extLst>
       <p:ext uri="{BB962C8B-B14F-4D97-AF65-F5344CB8AC3E}">
-        <p14:creationId xmlns:p14="http://schemas.microsoft.com/office/powerpoint/2010/main" xmlns="" val="3920839538"/>
+        <p14:creationId xmlns:p14="http://schemas.microsoft.com/office/powerpoint/2010/main" val="3920839538"/>
       </p:ext>
     </p:extLst>
   </p:cSld>
@@ -16090,7 +16097,7 @@
     </p:spTree>
     <p:extLst>
       <p:ext uri="{BB962C8B-B14F-4D97-AF65-F5344CB8AC3E}">
-        <p14:creationId xmlns:p14="http://schemas.microsoft.com/office/powerpoint/2010/main" xmlns="" val="2920495728"/>
+        <p14:creationId xmlns:p14="http://schemas.microsoft.com/office/powerpoint/2010/main" val="2920495728"/>
       </p:ext>
     </p:extLst>
   </p:cSld>
@@ -16848,7 +16855,7 @@
           <p:nvPr>
             <p:extLst>
               <p:ext uri="{D42A27DB-BD31-4B8C-83A1-F6EECF244321}">
-                <p14:modId xmlns:p14="http://schemas.microsoft.com/office/powerpoint/2010/main" xmlns="" val="3368793629"/>
+                <p14:modId xmlns:p14="http://schemas.microsoft.com/office/powerpoint/2010/main" val="3368793629"/>
               </p:ext>
             </p:extLst>
           </p:nvPr>
@@ -17341,20 +17348,20 @@
     </p:spTree>
     <p:extLst>
       <p:ext uri="{BB962C8B-B14F-4D97-AF65-F5344CB8AC3E}">
-        <p14:creationId xmlns:p14="http://schemas.microsoft.com/office/powerpoint/2010/main" xmlns="" val="3755349535"/>
+        <p14:creationId xmlns:p14="http://schemas.microsoft.com/office/powerpoint/2010/main" val="3755349535"/>
       </p:ext>
     </p:extLst>
   </p:cSld>
   <p:clrMapOvr>
     <a:masterClrMapping/>
   </p:clrMapOvr>
-  <mc:AlternateContent xmlns:mc="http://schemas.openxmlformats.org/markup-compatibility/2006">
-    <mc:Choice xmlns:p14="http://schemas.microsoft.com/office/powerpoint/2010/main" xmlns="" Requires="p14">
+  <mc:AlternateContent xmlns:mc="http://schemas.openxmlformats.org/markup-compatibility/2006" xmlns:p14="http://schemas.microsoft.com/office/powerpoint/2010/main">
+    <mc:Choice Requires="p14">
       <p:transition spd="med" p14:dur="700">
         <p:fade/>
       </p:transition>
     </mc:Choice>
-    <mc:Fallback>
+    <mc:Fallback xmlns="">
       <p:transition spd="med">
         <p:fade/>
       </p:transition>
@@ -18525,7 +18532,7 @@
           <a:bodyPr/>
           <a:lstStyle/>
           <a:p>
-            <a:endParaRPr lang="en-US"/>
+            <a:endParaRPr lang="en-US" dirty="0"/>
           </a:p>
         </p:txBody>
       </p:sp>
@@ -18538,7 +18545,7 @@
           <p:nvPr>
             <p:extLst>
               <p:ext uri="{D42A27DB-BD31-4B8C-83A1-F6EECF244321}">
-                <p14:modId xmlns:p14="http://schemas.microsoft.com/office/powerpoint/2010/main" xmlns="" val="1439639561"/>
+                <p14:modId xmlns:p14="http://schemas.microsoft.com/office/powerpoint/2010/main" val="1439639561"/>
               </p:ext>
             </p:extLst>
           </p:nvPr>
@@ -18955,20 +18962,20 @@
     </p:spTree>
     <p:extLst>
       <p:ext uri="{BB962C8B-B14F-4D97-AF65-F5344CB8AC3E}">
-        <p14:creationId xmlns:p14="http://schemas.microsoft.com/office/powerpoint/2010/main" xmlns="" val="2401644761"/>
+        <p14:creationId xmlns:p14="http://schemas.microsoft.com/office/powerpoint/2010/main" val="2401644761"/>
       </p:ext>
     </p:extLst>
   </p:cSld>
   <p:clrMapOvr>
     <a:masterClrMapping/>
   </p:clrMapOvr>
-  <mc:AlternateContent xmlns:mc="http://schemas.openxmlformats.org/markup-compatibility/2006">
-    <mc:Choice xmlns:p14="http://schemas.microsoft.com/office/powerpoint/2010/main" xmlns="" Requires="p14">
+  <mc:AlternateContent xmlns:mc="http://schemas.openxmlformats.org/markup-compatibility/2006" xmlns:p14="http://schemas.microsoft.com/office/powerpoint/2010/main">
+    <mc:Choice Requires="p14">
       <p:transition spd="med" p14:dur="700">
         <p:fade/>
       </p:transition>
     </mc:Choice>
-    <mc:Fallback>
+    <mc:Fallback xmlns="">
       <p:transition spd="med">
         <p:fade/>
       </p:transition>
@@ -19125,7 +19132,7 @@
             <p:ph sz="half" idx="1"/>
             <p:extLst>
               <p:ext uri="{D42A27DB-BD31-4B8C-83A1-F6EECF244321}">
-                <p14:modId xmlns:p14="http://schemas.microsoft.com/office/powerpoint/2010/main" xmlns="" val="2731641027"/>
+                <p14:modId xmlns:p14="http://schemas.microsoft.com/office/powerpoint/2010/main" val="2731641027"/>
               </p:ext>
             </p:extLst>
           </p:nvPr>
@@ -20887,7 +20894,7 @@
     </p:spTree>
     <p:extLst>
       <p:ext uri="{BB962C8B-B14F-4D97-AF65-F5344CB8AC3E}">
-        <p14:creationId xmlns:p14="http://schemas.microsoft.com/office/powerpoint/2010/main" xmlns="" val="3848041041"/>
+        <p14:creationId xmlns:p14="http://schemas.microsoft.com/office/powerpoint/2010/main" val="3848041041"/>
       </p:ext>
     </p:extLst>
   </p:cSld>
@@ -22787,20 +22794,20 @@
     </p:spTree>
     <p:extLst>
       <p:ext uri="{BB962C8B-B14F-4D97-AF65-F5344CB8AC3E}">
-        <p14:creationId xmlns:p14="http://schemas.microsoft.com/office/powerpoint/2010/main" xmlns="" val="2382807898"/>
+        <p14:creationId xmlns:p14="http://schemas.microsoft.com/office/powerpoint/2010/main" val="2382807898"/>
       </p:ext>
     </p:extLst>
   </p:cSld>
   <p:clrMapOvr>
     <a:masterClrMapping/>
   </p:clrMapOvr>
-  <mc:AlternateContent xmlns:mc="http://schemas.openxmlformats.org/markup-compatibility/2006">
-    <mc:Choice xmlns:p14="http://schemas.microsoft.com/office/powerpoint/2010/main" xmlns="" Requires="p14">
+  <mc:AlternateContent xmlns:mc="http://schemas.openxmlformats.org/markup-compatibility/2006" xmlns:p14="http://schemas.microsoft.com/office/powerpoint/2010/main">
+    <mc:Choice Requires="p14">
       <p:transition spd="med" p14:dur="700">
         <p:fade/>
       </p:transition>
     </mc:Choice>
-    <mc:Fallback>
+    <mc:Fallback xmlns="">
       <p:transition spd="med">
         <p:fade/>
       </p:transition>
@@ -23071,7 +23078,7 @@
   <a:extraClrSchemeLst/>
   <a:extLst>
     <a:ext uri="{05A4C25C-085E-4340-85A3-A5531E510DB2}">
-      <thm15:themeFamily xmlns:thm15="http://schemas.microsoft.com/office/thememl/2012/main" xmlns="" name="Office Theme" id="{62F939B6-93AF-4DB8-9C6B-D6C7DFDC589F}" vid="{4A3C46E8-61CC-4603-A589-7422A47A8E4A}"/>
+      <thm15:themeFamily xmlns:thm15="http://schemas.microsoft.com/office/thememl/2012/main" name="Office Theme" id="{62F939B6-93AF-4DB8-9C6B-D6C7DFDC589F}" vid="{4A3C46E8-61CC-4603-A589-7422A47A8E4A}"/>
     </a:ext>
   </a:extLst>
 </a:theme>
@@ -23332,7 +23339,7 @@
   <a:extraClrSchemeLst/>
   <a:extLst>
     <a:ext uri="{05A4C25C-085E-4340-85A3-A5531E510DB2}">
-      <thm15:themeFamily xmlns:thm15="http://schemas.microsoft.com/office/thememl/2012/main" xmlns="" name="Office Theme" id="{62F939B6-93AF-4DB8-9C6B-D6C7DFDC589F}" vid="{4A3C46E8-61CC-4603-A589-7422A47A8E4A}"/>
+      <thm15:themeFamily xmlns:thm15="http://schemas.microsoft.com/office/thememl/2012/main" name="Office Theme" id="{62F939B6-93AF-4DB8-9C6B-D6C7DFDC589F}" vid="{4A3C46E8-61CC-4603-A589-7422A47A8E4A}"/>
     </a:ext>
   </a:extLst>
 </a:theme>
